--- a/docs/diagrams/LogicComponentSequenceDiagram.pptx
+++ b/docs/diagrams/LogicComponentSequenceDiagram.pptx
@@ -208,7 +208,7 @@
           <a:p>
             <a:fld id="{F5CC4B3F-88C1-4FFA-B1B6-F41C21DC6924}" type="datetimeFigureOut">
               <a:rPr lang="en-US" smtClean="0"/>
-              <a:t>2/6/2017</a:t>
+              <a:t>3/23/17</a:t>
             </a:fld>
             <a:endParaRPr lang="en-US"/>
           </a:p>
@@ -657,7 +657,7 @@
           <a:p>
             <a:fld id="{78C97017-6FC3-485B-9764-EAC9E56C1D49}" type="datetimeFigureOut">
               <a:rPr lang="en-US" smtClean="0"/>
-              <a:t>2/6/2017</a:t>
+              <a:t>3/23/17</a:t>
             </a:fld>
             <a:endParaRPr lang="en-US"/>
           </a:p>
@@ -827,7 +827,7 @@
           <a:p>
             <a:fld id="{78C97017-6FC3-485B-9764-EAC9E56C1D49}" type="datetimeFigureOut">
               <a:rPr lang="en-US" smtClean="0"/>
-              <a:t>2/6/2017</a:t>
+              <a:t>3/23/17</a:t>
             </a:fld>
             <a:endParaRPr lang="en-US"/>
           </a:p>
@@ -1007,7 +1007,7 @@
           <a:p>
             <a:fld id="{78C97017-6FC3-485B-9764-EAC9E56C1D49}" type="datetimeFigureOut">
               <a:rPr lang="en-US" smtClean="0"/>
-              <a:t>2/6/2017</a:t>
+              <a:t>3/23/17</a:t>
             </a:fld>
             <a:endParaRPr lang="en-US"/>
           </a:p>
@@ -1177,7 +1177,7 @@
           <a:p>
             <a:fld id="{78C97017-6FC3-485B-9764-EAC9E56C1D49}" type="datetimeFigureOut">
               <a:rPr lang="en-US" smtClean="0"/>
-              <a:t>2/6/2017</a:t>
+              <a:t>3/23/17</a:t>
             </a:fld>
             <a:endParaRPr lang="en-US"/>
           </a:p>
@@ -1423,7 +1423,7 @@
           <a:p>
             <a:fld id="{78C97017-6FC3-485B-9764-EAC9E56C1D49}" type="datetimeFigureOut">
               <a:rPr lang="en-US" smtClean="0"/>
-              <a:t>2/6/2017</a:t>
+              <a:t>3/23/17</a:t>
             </a:fld>
             <a:endParaRPr lang="en-US"/>
           </a:p>
@@ -1711,7 +1711,7 @@
           <a:p>
             <a:fld id="{78C97017-6FC3-485B-9764-EAC9E56C1D49}" type="datetimeFigureOut">
               <a:rPr lang="en-US" smtClean="0"/>
-              <a:t>2/6/2017</a:t>
+              <a:t>3/23/17</a:t>
             </a:fld>
             <a:endParaRPr lang="en-US"/>
           </a:p>
@@ -2133,7 +2133,7 @@
           <a:p>
             <a:fld id="{78C97017-6FC3-485B-9764-EAC9E56C1D49}" type="datetimeFigureOut">
               <a:rPr lang="en-US" smtClean="0"/>
-              <a:t>2/6/2017</a:t>
+              <a:t>3/23/17</a:t>
             </a:fld>
             <a:endParaRPr lang="en-US"/>
           </a:p>
@@ -2251,7 +2251,7 @@
           <a:p>
             <a:fld id="{78C97017-6FC3-485B-9764-EAC9E56C1D49}" type="datetimeFigureOut">
               <a:rPr lang="en-US" smtClean="0"/>
-              <a:t>2/6/2017</a:t>
+              <a:t>3/23/17</a:t>
             </a:fld>
             <a:endParaRPr lang="en-US"/>
           </a:p>
@@ -2346,7 +2346,7 @@
           <a:p>
             <a:fld id="{78C97017-6FC3-485B-9764-EAC9E56C1D49}" type="datetimeFigureOut">
               <a:rPr lang="en-US" smtClean="0"/>
-              <a:t>2/6/2017</a:t>
+              <a:t>3/23/17</a:t>
             </a:fld>
             <a:endParaRPr lang="en-US"/>
           </a:p>
@@ -2623,7 +2623,7 @@
           <a:p>
             <a:fld id="{78C97017-6FC3-485B-9764-EAC9E56C1D49}" type="datetimeFigureOut">
               <a:rPr lang="en-US" smtClean="0"/>
-              <a:t>2/6/2017</a:t>
+              <a:t>3/23/17</a:t>
             </a:fld>
             <a:endParaRPr lang="en-US"/>
           </a:p>
@@ -2876,7 +2876,7 @@
           <a:p>
             <a:fld id="{78C97017-6FC3-485B-9764-EAC9E56C1D49}" type="datetimeFigureOut">
               <a:rPr lang="en-US" smtClean="0"/>
-              <a:t>2/6/2017</a:t>
+              <a:t>3/23/17</a:t>
             </a:fld>
             <a:endParaRPr lang="en-US"/>
           </a:p>
@@ -3089,7 +3089,7 @@
           <a:p>
             <a:fld id="{78C97017-6FC3-485B-9764-EAC9E56C1D49}" type="datetimeFigureOut">
               <a:rPr lang="en-US" smtClean="0"/>
-              <a:t>2/6/2017</a:t>
+              <a:t>3/23/17</a:t>
             </a:fld>
             <a:endParaRPr lang="en-US"/>
           </a:p>
@@ -3872,7 +3872,7 @@
                   <a:schemeClr val="bg1"/>
                 </a:solidFill>
               </a:rPr>
-              <a:t>d:Delete</a:t>
+              <a:t>Edit</a:t>
             </a:r>
             <a:r>
               <a:rPr lang="en-US" sz="1600" dirty="0">
@@ -4071,8 +4071,8 @@
         </p:nvSpPr>
         <p:spPr>
           <a:xfrm>
-            <a:off x="0" y="2743200"/>
-            <a:ext cx="1424846" cy="215444"/>
+            <a:off x="0" y="2795467"/>
+            <a:ext cx="1424846" cy="430887"/>
           </a:xfrm>
           <a:prstGeom prst="rect">
             <a:avLst/>
@@ -4092,7 +4092,7 @@
                   <a:srgbClr val="0070C0"/>
                 </a:solidFill>
               </a:rPr>
-              <a:t>execute(“delete 1”)</a:t>
+              <a:t>execute(“edit 1 [KEYWORDS]”)</a:t>
             </a:r>
             <a:endParaRPr lang="en-US" sz="1400" dirty="0">
               <a:solidFill>
@@ -4660,7 +4660,7 @@
         </p:nvSpPr>
         <p:spPr>
           <a:xfrm>
-            <a:off x="6984957" y="4267200"/>
+            <a:off x="6446362" y="4268213"/>
             <a:ext cx="1424846" cy="215444"/>
           </a:xfrm>
           <a:prstGeom prst="rect">
@@ -4691,7 +4691,7 @@
                   <a:srgbClr val="7030A0"/>
                 </a:solidFill>
               </a:rPr>
-              <a:t>deletePerson</a:t>
+              <a:t>editTask</a:t>
             </a:r>
             <a:r>
               <a:rPr lang="en-US" dirty="0" smtClean="0">
@@ -4718,7 +4718,7 @@
         <p:spPr>
           <a:xfrm>
             <a:off x="3847551" y="3657600"/>
-            <a:ext cx="767033" cy="184666"/>
+            <a:ext cx="767033" cy="307777"/>
           </a:xfrm>
           <a:prstGeom prst="rect">
             <a:avLst/>
@@ -4743,14 +4743,14 @@
           </a:lstStyle>
           <a:p>
             <a:r>
-              <a:rPr lang="en-US" sz="1200" dirty="0"/>
+              <a:rPr lang="en-US" sz="1000" dirty="0"/>
               <a:t>p</a:t>
             </a:r>
             <a:r>
-              <a:rPr lang="en-US" sz="1200" dirty="0" smtClean="0"/>
-              <a:t>arse(“1”)</a:t>
-            </a:r>
-            <a:endParaRPr lang="en-US" sz="1200" dirty="0"/>
+              <a:rPr lang="en-US" sz="1000" dirty="0" smtClean="0"/>
+              <a:t>arse(“1 [KEYWORD]</a:t>
+            </a:r>
+            <a:endParaRPr lang="en-US" sz="1000" dirty="0"/>
           </a:p>
         </p:txBody>
       </p:sp>
@@ -4762,8 +4762,8 @@
         </p:nvSpPr>
         <p:spPr>
           <a:xfrm>
-            <a:off x="1742982" y="2850922"/>
-            <a:ext cx="1424846" cy="215444"/>
+            <a:off x="1743446" y="2916486"/>
+            <a:ext cx="1424846" cy="430887"/>
           </a:xfrm>
           <a:prstGeom prst="rect">
             <a:avLst/>
@@ -4789,9 +4789,12 @@
           <a:p>
             <a:r>
               <a:rPr lang="en-US" dirty="0" smtClean="0"/>
-              <a:t>parse(“delete 1”)</a:t>
-            </a:r>
-            <a:endParaRPr lang="en-US" dirty="0"/>
+              <a:t>parse(“</a:t>
+            </a:r>
+            <a:r>
+              <a:rPr lang="en-US" dirty="0"/>
+              <a:t>edit 1 [KEYWORDS]”)</a:t>
+            </a:r>
           </a:p>
         </p:txBody>
       </p:sp>
@@ -5127,7 +5130,7 @@
                   <a:schemeClr val="bg1"/>
                 </a:solidFill>
               </a:rPr>
-              <a:t>DeleteCommand</a:t>
+              <a:t>EditCommand</a:t>
             </a:r>
             <a:endParaRPr lang="en-US" sz="1600" dirty="0" smtClean="0">
               <a:solidFill>
@@ -5161,7 +5164,7 @@
         </p:nvCxnSpPr>
         <p:spPr>
           <a:xfrm>
-            <a:off x="3462591" y="3657600"/>
+            <a:off x="3501474" y="3672116"/>
             <a:ext cx="1597356" cy="1"/>
           </a:xfrm>
           <a:prstGeom prst="straightConnector1">

--- a/docs/diagrams/LogicComponentSequenceDiagram.pptx
+++ b/docs/diagrams/LogicComponentSequenceDiagram.pptx
@@ -208,7 +208,7 @@
           <a:p>
             <a:fld id="{F5CC4B3F-88C1-4FFA-B1B6-F41C21DC6924}" type="datetimeFigureOut">
               <a:rPr lang="en-US" smtClean="0"/>
-              <a:t>3/23/17</a:t>
+              <a:t>2/6/2017</a:t>
             </a:fld>
             <a:endParaRPr lang="en-US"/>
           </a:p>
@@ -657,7 +657,7 @@
           <a:p>
             <a:fld id="{78C97017-6FC3-485B-9764-EAC9E56C1D49}" type="datetimeFigureOut">
               <a:rPr lang="en-US" smtClean="0"/>
-              <a:t>3/23/17</a:t>
+              <a:t>2/6/2017</a:t>
             </a:fld>
             <a:endParaRPr lang="en-US"/>
           </a:p>
@@ -827,7 +827,7 @@
           <a:p>
             <a:fld id="{78C97017-6FC3-485B-9764-EAC9E56C1D49}" type="datetimeFigureOut">
               <a:rPr lang="en-US" smtClean="0"/>
-              <a:t>3/23/17</a:t>
+              <a:t>2/6/2017</a:t>
             </a:fld>
             <a:endParaRPr lang="en-US"/>
           </a:p>
@@ -1007,7 +1007,7 @@
           <a:p>
             <a:fld id="{78C97017-6FC3-485B-9764-EAC9E56C1D49}" type="datetimeFigureOut">
               <a:rPr lang="en-US" smtClean="0"/>
-              <a:t>3/23/17</a:t>
+              <a:t>2/6/2017</a:t>
             </a:fld>
             <a:endParaRPr lang="en-US"/>
           </a:p>
@@ -1177,7 +1177,7 @@
           <a:p>
             <a:fld id="{78C97017-6FC3-485B-9764-EAC9E56C1D49}" type="datetimeFigureOut">
               <a:rPr lang="en-US" smtClean="0"/>
-              <a:t>3/23/17</a:t>
+              <a:t>2/6/2017</a:t>
             </a:fld>
             <a:endParaRPr lang="en-US"/>
           </a:p>
@@ -1423,7 +1423,7 @@
           <a:p>
             <a:fld id="{78C97017-6FC3-485B-9764-EAC9E56C1D49}" type="datetimeFigureOut">
               <a:rPr lang="en-US" smtClean="0"/>
-              <a:t>3/23/17</a:t>
+              <a:t>2/6/2017</a:t>
             </a:fld>
             <a:endParaRPr lang="en-US"/>
           </a:p>
@@ -1711,7 +1711,7 @@
           <a:p>
             <a:fld id="{78C97017-6FC3-485B-9764-EAC9E56C1D49}" type="datetimeFigureOut">
               <a:rPr lang="en-US" smtClean="0"/>
-              <a:t>3/23/17</a:t>
+              <a:t>2/6/2017</a:t>
             </a:fld>
             <a:endParaRPr lang="en-US"/>
           </a:p>
@@ -2133,7 +2133,7 @@
           <a:p>
             <a:fld id="{78C97017-6FC3-485B-9764-EAC9E56C1D49}" type="datetimeFigureOut">
               <a:rPr lang="en-US" smtClean="0"/>
-              <a:t>3/23/17</a:t>
+              <a:t>2/6/2017</a:t>
             </a:fld>
             <a:endParaRPr lang="en-US"/>
           </a:p>
@@ -2251,7 +2251,7 @@
           <a:p>
             <a:fld id="{78C97017-6FC3-485B-9764-EAC9E56C1D49}" type="datetimeFigureOut">
               <a:rPr lang="en-US" smtClean="0"/>
-              <a:t>3/23/17</a:t>
+              <a:t>2/6/2017</a:t>
             </a:fld>
             <a:endParaRPr lang="en-US"/>
           </a:p>
@@ -2346,7 +2346,7 @@
           <a:p>
             <a:fld id="{78C97017-6FC3-485B-9764-EAC9E56C1D49}" type="datetimeFigureOut">
               <a:rPr lang="en-US" smtClean="0"/>
-              <a:t>3/23/17</a:t>
+              <a:t>2/6/2017</a:t>
             </a:fld>
             <a:endParaRPr lang="en-US"/>
           </a:p>
@@ -2623,7 +2623,7 @@
           <a:p>
             <a:fld id="{78C97017-6FC3-485B-9764-EAC9E56C1D49}" type="datetimeFigureOut">
               <a:rPr lang="en-US" smtClean="0"/>
-              <a:t>3/23/17</a:t>
+              <a:t>2/6/2017</a:t>
             </a:fld>
             <a:endParaRPr lang="en-US"/>
           </a:p>
@@ -2876,7 +2876,7 @@
           <a:p>
             <a:fld id="{78C97017-6FC3-485B-9764-EAC9E56C1D49}" type="datetimeFigureOut">
               <a:rPr lang="en-US" smtClean="0"/>
-              <a:t>3/23/17</a:t>
+              <a:t>2/6/2017</a:t>
             </a:fld>
             <a:endParaRPr lang="en-US"/>
           </a:p>
@@ -3089,7 +3089,7 @@
           <a:p>
             <a:fld id="{78C97017-6FC3-485B-9764-EAC9E56C1D49}" type="datetimeFigureOut">
               <a:rPr lang="en-US" smtClean="0"/>
-              <a:t>3/23/17</a:t>
+              <a:t>2/6/2017</a:t>
             </a:fld>
             <a:endParaRPr lang="en-US"/>
           </a:p>
@@ -3872,7 +3872,7 @@
                   <a:schemeClr val="bg1"/>
                 </a:solidFill>
               </a:rPr>
-              <a:t>Edit</a:t>
+              <a:t>d:Delete</a:t>
             </a:r>
             <a:r>
               <a:rPr lang="en-US" sz="1600" dirty="0">
@@ -4071,8 +4071,8 @@
         </p:nvSpPr>
         <p:spPr>
           <a:xfrm>
-            <a:off x="0" y="2795467"/>
-            <a:ext cx="1424846" cy="430887"/>
+            <a:off x="0" y="2743200"/>
+            <a:ext cx="1424846" cy="215444"/>
           </a:xfrm>
           <a:prstGeom prst="rect">
             <a:avLst/>
@@ -4092,7 +4092,7 @@
                   <a:srgbClr val="0070C0"/>
                 </a:solidFill>
               </a:rPr>
-              <a:t>execute(“edit 1 [KEYWORDS]”)</a:t>
+              <a:t>execute(“delete 1”)</a:t>
             </a:r>
             <a:endParaRPr lang="en-US" sz="1400" dirty="0">
               <a:solidFill>
@@ -4660,7 +4660,7 @@
         </p:nvSpPr>
         <p:spPr>
           <a:xfrm>
-            <a:off x="6446362" y="4268213"/>
+            <a:off x="6984957" y="4267200"/>
             <a:ext cx="1424846" cy="215444"/>
           </a:xfrm>
           <a:prstGeom prst="rect">
@@ -4691,7 +4691,7 @@
                   <a:srgbClr val="7030A0"/>
                 </a:solidFill>
               </a:rPr>
-              <a:t>editTask</a:t>
+              <a:t>deletePerson</a:t>
             </a:r>
             <a:r>
               <a:rPr lang="en-US" dirty="0" smtClean="0">
@@ -4718,7 +4718,7 @@
         <p:spPr>
           <a:xfrm>
             <a:off x="3847551" y="3657600"/>
-            <a:ext cx="767033" cy="307777"/>
+            <a:ext cx="767033" cy="184666"/>
           </a:xfrm>
           <a:prstGeom prst="rect">
             <a:avLst/>
@@ -4743,14 +4743,14 @@
           </a:lstStyle>
           <a:p>
             <a:r>
-              <a:rPr lang="en-US" sz="1000" dirty="0"/>
+              <a:rPr lang="en-US" sz="1200" dirty="0"/>
               <a:t>p</a:t>
             </a:r>
             <a:r>
-              <a:rPr lang="en-US" sz="1000" dirty="0" smtClean="0"/>
-              <a:t>arse(“1 [KEYWORD]</a:t>
-            </a:r>
-            <a:endParaRPr lang="en-US" sz="1000" dirty="0"/>
+              <a:rPr lang="en-US" sz="1200" dirty="0" smtClean="0"/>
+              <a:t>arse(“1”)</a:t>
+            </a:r>
+            <a:endParaRPr lang="en-US" sz="1200" dirty="0"/>
           </a:p>
         </p:txBody>
       </p:sp>
@@ -4762,8 +4762,8 @@
         </p:nvSpPr>
         <p:spPr>
           <a:xfrm>
-            <a:off x="1743446" y="2916486"/>
-            <a:ext cx="1424846" cy="430887"/>
+            <a:off x="1742982" y="2850922"/>
+            <a:ext cx="1424846" cy="215444"/>
           </a:xfrm>
           <a:prstGeom prst="rect">
             <a:avLst/>
@@ -4789,12 +4789,9 @@
           <a:p>
             <a:r>
               <a:rPr lang="en-US" dirty="0" smtClean="0"/>
-              <a:t>parse(“</a:t>
-            </a:r>
-            <a:r>
-              <a:rPr lang="en-US" dirty="0"/>
-              <a:t>edit 1 [KEYWORDS]”)</a:t>
-            </a:r>
+              <a:t>parse(“delete 1”)</a:t>
+            </a:r>
+            <a:endParaRPr lang="en-US" dirty="0"/>
           </a:p>
         </p:txBody>
       </p:sp>
@@ -5130,7 +5127,7 @@
                   <a:schemeClr val="bg1"/>
                 </a:solidFill>
               </a:rPr>
-              <a:t>EditCommand</a:t>
+              <a:t>DeleteCommand</a:t>
             </a:r>
             <a:endParaRPr lang="en-US" sz="1600" dirty="0" smtClean="0">
               <a:solidFill>
@@ -5164,7 +5161,7 @@
         </p:nvCxnSpPr>
         <p:spPr>
           <a:xfrm>
-            <a:off x="3501474" y="3672116"/>
+            <a:off x="3462591" y="3657600"/>
             <a:ext cx="1597356" cy="1"/>
           </a:xfrm>
           <a:prstGeom prst="straightConnector1">
